--- a/PRIMER_DIA/PLANTILLA PRESENTACIÓN DOC..pptx
+++ b/PRIMER_DIA/PLANTILLA PRESENTACIÓN DOC..pptx
@@ -15236,36 +15236,6 @@
           </a:prstGeom>
         </p:spPr>
       </p:pic>
-      <p:pic>
-        <p:nvPicPr>
-          <p:cNvPr id="6" name="Imagen 5" descr="daniel-rueda-silva-fotocarnet2.jpg"/>
-          <p:cNvPicPr>
-            <a:picLocks noChangeAspect="1"/>
-          </p:cNvPicPr>
-          <p:nvPr/>
-        </p:nvPicPr>
-        <p:blipFill>
-          <a:blip r:embed="rId3">
-            <a:extLst>
-              <a:ext uri="{28A0092B-C50C-407E-A947-70E740481C1C}">
-                <a14:useLocalDpi xmlns:a14="http://schemas.microsoft.com/office/drawing/2010/main" val="0"/>
-              </a:ext>
-            </a:extLst>
-          </a:blip>
-          <a:stretch>
-            <a:fillRect/>
-          </a:stretch>
-        </p:blipFill>
-        <p:spPr>
-          <a:xfrm>
-            <a:off x="537089" y="1359545"/>
-            <a:ext cx="2069455" cy="2069455"/>
-          </a:xfrm>
-          <a:prstGeom prst="rect">
-            <a:avLst/>
-          </a:prstGeom>
-        </p:spPr>
-      </p:pic>
       <p:sp>
         <p:nvSpPr>
           <p:cNvPr id="8" name="CuadroTexto 7"/>
@@ -15289,9 +15259,10 @@
           <a:lstStyle/>
           <a:p>
             <a:r>
-              <a:rPr lang="es-ES" sz="2000" b="1" dirty="0"/>
-              <a:t>Fernando Yucsan Chang Cam</a:t>
+              <a:rPr lang="es-ES" sz="2000" b="1" dirty="0" smtClean="0"/>
+              <a:t>Eric Gustavo Coronel Castillo</a:t>
             </a:r>
+            <a:endParaRPr lang="es-ES" sz="2000" b="1" dirty="0"/>
           </a:p>
         </p:txBody>
       </p:sp>
@@ -15333,7 +15304,7 @@
         <p:spPr>
           <a:xfrm>
             <a:off x="2936335" y="2143762"/>
-            <a:ext cx="5429887" cy="1292662"/>
+            <a:ext cx="5429887" cy="1492716"/>
           </a:xfrm>
           <a:prstGeom prst="rect">
             <a:avLst/>
@@ -15348,64 +15319,60 @@
           <a:p>
             <a:pPr algn="just"/>
             <a:r>
-              <a:rPr lang="es-ES" sz="1300" dirty="0"/>
-              <a:t>En relación con su experiencia profesional, es profesor </a:t>
-            </a:r>
-            <a:r>
               <a:rPr lang="es-ES" sz="1300" dirty="0" smtClean="0"/>
-              <a:t>titular </a:t>
-            </a:r>
-            <a:r>
-              <a:rPr lang="es-ES" sz="1300" dirty="0"/>
-              <a:t>de Marketing de la Universidad Carlos III de Madrid. </a:t>
+              <a:t>Docente en temas relacionados con el desarrollo de software y base de datos en las siguientes instituciones:</a:t>
             </a:r>
           </a:p>
           <a:p>
-            <a:pPr algn="just"/>
-            <a:r>
-              <a:rPr lang="es-ES" sz="1300" dirty="0"/>
-              <a:t>Director del Círculo de Investigación Internacional </a:t>
-            </a:r>
+            <a:pPr marL="285750" indent="-285750" algn="just">
+              <a:buFont typeface="Wingdings" panose="05000000000000000000" pitchFamily="2" charset="2"/>
+              <a:buChar char="§"/>
+            </a:pPr>
             <a:r>
               <a:rPr lang="es-ES" sz="1300" dirty="0" smtClean="0"/>
-              <a:t>en </a:t>
+              <a:t>Universidad Nacional de Ingeniería</a:t>
             </a:r>
-            <a:r>
-              <a:rPr lang="es-ES" sz="1300" dirty="0"/>
-              <a:t>Marketing y Competitividad de </a:t>
-            </a:r>
+          </a:p>
+          <a:p>
+            <a:pPr marL="285750" indent="-285750" algn="just">
+              <a:buFont typeface="Wingdings" panose="05000000000000000000" pitchFamily="2" charset="2"/>
+              <a:buChar char="§"/>
+            </a:pPr>
             <a:r>
               <a:rPr lang="es-ES" sz="1300" dirty="0" smtClean="0"/>
-              <a:t>Empresas (</a:t>
+              <a:t>Universidad Científica de Sur</a:t>
             </a:r>
-            <a:r>
-              <a:rPr lang="es-ES" sz="1300" dirty="0" err="1"/>
-              <a:t>MarketinGroup</a:t>
-            </a:r>
+          </a:p>
+          <a:p>
+            <a:pPr marL="285750" indent="-285750" algn="just">
+              <a:buFont typeface="Wingdings" panose="05000000000000000000" pitchFamily="2" charset="2"/>
+              <a:buChar char="§"/>
+            </a:pPr>
             <a:r>
               <a:rPr lang="es-ES" sz="1300" dirty="0" smtClean="0"/>
-              <a:t>)desarrollando </a:t>
+              <a:t>Universidad Tecnológica de Perú</a:t>
             </a:r>
-            <a:r>
-              <a:rPr lang="es-ES" sz="1300" dirty="0"/>
-              <a:t>proyectos de peritajes de marcas para los tribunales </a:t>
-            </a:r>
+          </a:p>
+          <a:p>
+            <a:pPr marL="285750" indent="-285750" algn="just">
+              <a:buFont typeface="Wingdings" panose="05000000000000000000" pitchFamily="2" charset="2"/>
+              <a:buChar char="§"/>
+            </a:pPr>
             <a:r>
               <a:rPr lang="es-ES" sz="1300" dirty="0" smtClean="0"/>
-              <a:t>superiores </a:t>
+              <a:t>Universidad de Ciencias y Humanidades</a:t>
             </a:r>
-            <a:r>
-              <a:rPr lang="es-ES" sz="1300" dirty="0"/>
-              <a:t>europeos, en áreas de confusión, competencia desleal </a:t>
-            </a:r>
+          </a:p>
+          <a:p>
+            <a:pPr marL="285750" indent="-285750" algn="just">
+              <a:buFont typeface="Wingdings" panose="05000000000000000000" pitchFamily="2" charset="2"/>
+              <a:buChar char="§"/>
+            </a:pPr>
             <a:r>
               <a:rPr lang="es-ES" sz="1300" dirty="0" smtClean="0"/>
-              <a:t>y </a:t>
+              <a:t>Universidad César Vallejo</a:t>
             </a:r>
-            <a:r>
-              <a:rPr lang="es-ES" sz="1300" dirty="0"/>
-              <a:t>dilución de marcas.</a:t>
-            </a:r>
+            <a:endParaRPr lang="es-ES" sz="1300" dirty="0"/>
           </a:p>
         </p:txBody>
       </p:sp>
@@ -15417,7 +15384,7 @@
         </p:nvSpPr>
         <p:spPr>
           <a:xfrm>
-            <a:off x="2924684" y="3549781"/>
+            <a:off x="2924684" y="3747747"/>
             <a:ext cx="3274245" cy="307777"/>
           </a:xfrm>
           <a:prstGeom prst="rect">
@@ -15446,8 +15413,8 @@
         </p:nvSpPr>
         <p:spPr>
           <a:xfrm>
-            <a:off x="2936335" y="3870067"/>
-            <a:ext cx="5429887" cy="892552"/>
+            <a:off x="2936335" y="4068033"/>
+            <a:ext cx="5429887" cy="492443"/>
           </a:xfrm>
           <a:prstGeom prst="rect">
             <a:avLst/>
@@ -15462,25 +15429,18 @@
           <a:p>
             <a:pPr algn="just"/>
             <a:r>
-              <a:rPr lang="es-ES" sz="1300" dirty="0"/>
-              <a:t>Es Autor y coautor de 10 libros de diversa temática (Dirección de Marketing</a:t>
+              <a:rPr lang="es-ES" sz="1300" dirty="0" smtClean="0"/>
+              <a:t>Autor de libros de desarrollo de software con lenguaje Visual Basic, Power </a:t>
+            </a:r>
+            <a:r>
+              <a:rPr lang="es-ES" sz="1300" dirty="0" err="1" smtClean="0"/>
+              <a:t>Builder</a:t>
             </a:r>
             <a:r>
               <a:rPr lang="es-ES" sz="1300" dirty="0" smtClean="0"/>
-              <a:t>, Conducta </a:t>
+              <a:t>, PHP, Java.</a:t>
             </a:r>
-            <a:r>
-              <a:rPr lang="es-ES" sz="1300" dirty="0"/>
-              <a:t>del Consumidor, Cómo escribir y publicar una tesis doctoral, </a:t>
-            </a:r>
-            <a:r>
-              <a:rPr lang="es-ES" sz="1300" dirty="0" smtClean="0"/>
-              <a:t>Promoción </a:t>
-            </a:r>
-            <a:r>
-              <a:rPr lang="es-ES" sz="1300" dirty="0"/>
-              <a:t>y Ventas, Formación de Formadores, entre otros.</a:t>
-            </a:r>
+            <a:endParaRPr lang="es-ES" sz="1300" dirty="0"/>
           </a:p>
         </p:txBody>
       </p:sp>
@@ -15492,7 +15452,7 @@
         </p:nvSpPr>
         <p:spPr>
           <a:xfrm>
-            <a:off x="2924684" y="4808076"/>
+            <a:off x="2924684" y="4676097"/>
             <a:ext cx="3274245" cy="307777"/>
           </a:xfrm>
           <a:prstGeom prst="rect">
@@ -15521,8 +15481,8 @@
         </p:nvSpPr>
         <p:spPr>
           <a:xfrm>
-            <a:off x="2936335" y="5093409"/>
-            <a:ext cx="5429887" cy="692497"/>
+            <a:off x="2936335" y="4961430"/>
+            <a:ext cx="5429887" cy="1092607"/>
           </a:xfrm>
           <a:prstGeom prst="rect">
             <a:avLst/>
@@ -15537,43 +15497,85 @@
           <a:p>
             <a:pPr algn="just"/>
             <a:r>
-              <a:rPr lang="es-ES" sz="1300" dirty="0"/>
-              <a:t>Actualmente es Profesor del Área Académica de Marketing, </a:t>
+              <a:rPr lang="es-ES" sz="1300" dirty="0" smtClean="0"/>
+              <a:t>Consultor independiente y profesor de desarrollo de software en las siguientes universidades:</a:t>
             </a:r>
           </a:p>
           <a:p>
-            <a:pPr algn="just"/>
+            <a:pPr marL="285750" indent="-285750" algn="just">
+              <a:buFont typeface="Wingdings" panose="05000000000000000000" pitchFamily="2" charset="2"/>
+              <a:buChar char="§"/>
+            </a:pPr>
+            <a:r>
+              <a:rPr lang="es-ES" sz="1300" dirty="0" smtClean="0"/>
+              <a:t>Universidad </a:t>
+            </a:r>
             <a:r>
               <a:rPr lang="es-ES" sz="1300" dirty="0"/>
-              <a:t>Ventas y Responsabilidad Social en </a:t>
+              <a:t>Científica de Sur</a:t>
+            </a:r>
+          </a:p>
+          <a:p>
+            <a:pPr marL="285750" indent="-285750" algn="just">
+              <a:buFont typeface="Wingdings" panose="05000000000000000000" pitchFamily="2" charset="2"/>
+              <a:buChar char="§"/>
+            </a:pPr>
+            <a:r>
+              <a:rPr lang="es-ES" sz="1300" dirty="0" smtClean="0"/>
+              <a:t>Universidad </a:t>
+            </a:r>
+            <a:r>
+              <a:rPr lang="es-ES" sz="1300" dirty="0"/>
+              <a:t>de Ciencias y Humanidades</a:t>
+            </a:r>
+          </a:p>
+          <a:p>
+            <a:pPr marL="285750" indent="-285750" algn="just">
+              <a:buFont typeface="Wingdings" panose="05000000000000000000" pitchFamily="2" charset="2"/>
+              <a:buChar char="§"/>
+            </a:pPr>
+            <a:r>
+              <a:rPr lang="es-ES" sz="1300" dirty="0"/>
+              <a:t>Universidad César </a:t>
             </a:r>
             <a:r>
               <a:rPr lang="es-ES" sz="1300" dirty="0" smtClean="0"/>
-              <a:t>CENTRUM </a:t>
+              <a:t>Vallejo</a:t>
             </a:r>
-            <a:r>
-              <a:rPr lang="es-ES" sz="1300" dirty="0"/>
-              <a:t>Católica </a:t>
-            </a:r>
-            <a:r>
-              <a:rPr lang="es-ES" sz="1300" dirty="0" err="1"/>
-              <a:t>Graduate</a:t>
-            </a:r>
-            <a:r>
-              <a:rPr lang="es-ES" sz="1300" dirty="0"/>
-              <a:t> Business </a:t>
-            </a:r>
-            <a:r>
-              <a:rPr lang="es-ES" sz="1300" dirty="0" err="1"/>
-              <a:t>School</a:t>
-            </a:r>
-            <a:r>
-              <a:rPr lang="es-ES" sz="1300" dirty="0"/>
-              <a:t>.</a:t>
-            </a:r>
+            <a:endParaRPr lang="es-ES" sz="1300" dirty="0"/>
           </a:p>
         </p:txBody>
       </p:sp>
+      <p:pic>
+        <p:nvPicPr>
+          <p:cNvPr id="3" name="Imagen 2"/>
+          <p:cNvPicPr>
+            <a:picLocks noChangeAspect="1"/>
+          </p:cNvPicPr>
+          <p:nvPr/>
+        </p:nvPicPr>
+        <p:blipFill>
+          <a:blip r:embed="rId3">
+            <a:extLst>
+              <a:ext uri="{28A0092B-C50C-407E-A947-70E740481C1C}">
+                <a14:useLocalDpi xmlns:a14="http://schemas.microsoft.com/office/drawing/2010/main" val="0"/>
+              </a:ext>
+            </a:extLst>
+          </a:blip>
+          <a:stretch>
+            <a:fillRect/>
+          </a:stretch>
+        </p:blipFill>
+        <p:spPr>
+          <a:xfrm>
+            <a:off x="667890" y="1389781"/>
+            <a:ext cx="1892791" cy="2160000"/>
+          </a:xfrm>
+          <a:prstGeom prst="rect">
+            <a:avLst/>
+          </a:prstGeom>
+        </p:spPr>
+      </p:pic>
     </p:spTree>
     <p:extLst>
       <p:ext uri="{BB962C8B-B14F-4D97-AF65-F5344CB8AC3E}">
